--- a/Лекции/2022/3/Пользовательские типы, структры, объединения.pptx
+++ b/Лекции/2022/3/Пользовательские типы, структры, объединения.pptx
@@ -265,7 +265,7 @@
           <a:p>
             <a:fld id="{3D5C11EB-D329-41AC-A27B-AABF4C979710}" type="datetimeFigureOut">
               <a:rPr lang="ru-RU" smtClean="0"/>
-              <a:t>25.09.2022</a:t>
+              <a:t>26.09.2022</a:t>
             </a:fld>
             <a:endParaRPr lang="ru-RU"/>
           </a:p>
@@ -435,7 +435,7 @@
           <a:p>
             <a:fld id="{3D5C11EB-D329-41AC-A27B-AABF4C979710}" type="datetimeFigureOut">
               <a:rPr lang="ru-RU" smtClean="0"/>
-              <a:t>25.09.2022</a:t>
+              <a:t>26.09.2022</a:t>
             </a:fld>
             <a:endParaRPr lang="ru-RU"/>
           </a:p>
@@ -615,7 +615,7 @@
           <a:p>
             <a:fld id="{3D5C11EB-D329-41AC-A27B-AABF4C979710}" type="datetimeFigureOut">
               <a:rPr lang="ru-RU" smtClean="0"/>
-              <a:t>25.09.2022</a:t>
+              <a:t>26.09.2022</a:t>
             </a:fld>
             <a:endParaRPr lang="ru-RU"/>
           </a:p>
@@ -785,7 +785,7 @@
           <a:p>
             <a:fld id="{3D5C11EB-D329-41AC-A27B-AABF4C979710}" type="datetimeFigureOut">
               <a:rPr lang="ru-RU" smtClean="0"/>
-              <a:t>25.09.2022</a:t>
+              <a:t>26.09.2022</a:t>
             </a:fld>
             <a:endParaRPr lang="ru-RU"/>
           </a:p>
@@ -1031,7 +1031,7 @@
           <a:p>
             <a:fld id="{3D5C11EB-D329-41AC-A27B-AABF4C979710}" type="datetimeFigureOut">
               <a:rPr lang="ru-RU" smtClean="0"/>
-              <a:t>25.09.2022</a:t>
+              <a:t>26.09.2022</a:t>
             </a:fld>
             <a:endParaRPr lang="ru-RU"/>
           </a:p>
@@ -1263,7 +1263,7 @@
           <a:p>
             <a:fld id="{3D5C11EB-D329-41AC-A27B-AABF4C979710}" type="datetimeFigureOut">
               <a:rPr lang="ru-RU" smtClean="0"/>
-              <a:t>25.09.2022</a:t>
+              <a:t>26.09.2022</a:t>
             </a:fld>
             <a:endParaRPr lang="ru-RU"/>
           </a:p>
@@ -1630,7 +1630,7 @@
           <a:p>
             <a:fld id="{3D5C11EB-D329-41AC-A27B-AABF4C979710}" type="datetimeFigureOut">
               <a:rPr lang="ru-RU" smtClean="0"/>
-              <a:t>25.09.2022</a:t>
+              <a:t>26.09.2022</a:t>
             </a:fld>
             <a:endParaRPr lang="ru-RU"/>
           </a:p>
@@ -1748,7 +1748,7 @@
           <a:p>
             <a:fld id="{3D5C11EB-D329-41AC-A27B-AABF4C979710}" type="datetimeFigureOut">
               <a:rPr lang="ru-RU" smtClean="0"/>
-              <a:t>25.09.2022</a:t>
+              <a:t>26.09.2022</a:t>
             </a:fld>
             <a:endParaRPr lang="ru-RU"/>
           </a:p>
@@ -1843,7 +1843,7 @@
           <a:p>
             <a:fld id="{3D5C11EB-D329-41AC-A27B-AABF4C979710}" type="datetimeFigureOut">
               <a:rPr lang="ru-RU" smtClean="0"/>
-              <a:t>25.09.2022</a:t>
+              <a:t>26.09.2022</a:t>
             </a:fld>
             <a:endParaRPr lang="ru-RU"/>
           </a:p>
@@ -2120,7 +2120,7 @@
           <a:p>
             <a:fld id="{3D5C11EB-D329-41AC-A27B-AABF4C979710}" type="datetimeFigureOut">
               <a:rPr lang="ru-RU" smtClean="0"/>
-              <a:t>25.09.2022</a:t>
+              <a:t>26.09.2022</a:t>
             </a:fld>
             <a:endParaRPr lang="ru-RU"/>
           </a:p>
@@ -2377,7 +2377,7 @@
           <a:p>
             <a:fld id="{3D5C11EB-D329-41AC-A27B-AABF4C979710}" type="datetimeFigureOut">
               <a:rPr lang="ru-RU" smtClean="0"/>
-              <a:t>25.09.2022</a:t>
+              <a:t>26.09.2022</a:t>
             </a:fld>
             <a:endParaRPr lang="ru-RU"/>
           </a:p>
@@ -2590,7 +2590,7 @@
           <a:p>
             <a:fld id="{3D5C11EB-D329-41AC-A27B-AABF4C979710}" type="datetimeFigureOut">
               <a:rPr lang="ru-RU" smtClean="0"/>
-              <a:t>25.09.2022</a:t>
+              <a:t>26.09.2022</a:t>
             </a:fld>
             <a:endParaRPr lang="ru-RU"/>
           </a:p>
@@ -3154,8 +3154,8 @@
         </p:nvSpPr>
         <p:spPr>
           <a:xfrm>
-            <a:off x="1828508" y="2703547"/>
-            <a:ext cx="8535022" cy="758409"/>
+            <a:off x="1265733" y="2703547"/>
+            <a:ext cx="9660586" cy="758409"/>
           </a:xfrm>
           <a:prstGeom prst="rect">
             <a:avLst/>
@@ -3177,8 +3177,25 @@
                 <a:latin typeface="Arial" panose="020B0604020202020204" pitchFamily="34" charset="0"/>
                 <a:cs typeface="Arial" panose="020B0604020202020204" pitchFamily="34" charset="0"/>
               </a:rPr>
-              <a:t>Указатели, ссылки, массивы.</a:t>
-            </a:r>
+              <a:t>Пользовательские типы данных</a:t>
+            </a:r>
+            <a:r>
+              <a:rPr lang="ru-RU" sz="4500" b="1" dirty="0" smtClean="0">
+                <a:solidFill>
+                  <a:schemeClr val="bg1"/>
+                </a:solidFill>
+                <a:latin typeface="Arial" panose="020B0604020202020204" pitchFamily="34" charset="0"/>
+                <a:cs typeface="Arial" panose="020B0604020202020204" pitchFamily="34" charset="0"/>
+              </a:rPr>
+              <a:t>.</a:t>
+            </a:r>
+            <a:endParaRPr lang="ru-RU" sz="4500" b="1" dirty="0" smtClean="0">
+              <a:solidFill>
+                <a:schemeClr val="bg1"/>
+              </a:solidFill>
+              <a:latin typeface="Arial" panose="020B0604020202020204" pitchFamily="34" charset="0"/>
+              <a:cs typeface="Arial" panose="020B0604020202020204" pitchFamily="34" charset="0"/>
+            </a:endParaRPr>
           </a:p>
         </p:txBody>
       </p:sp>
